--- a/custom_projects/09_OLED_Interfacing/09_OLED_Interfacing.pptx
+++ b/custom_projects/09_OLED_Interfacing/09_OLED_Interfacing.pptx
@@ -6,14 +6,15 @@
   </p:sldMasterIdLst>
   <p:sldIdLst>
     <p:sldId id="256" r:id="rId2"/>
-    <p:sldId id="257" r:id="rId3"/>
-    <p:sldId id="258" r:id="rId4"/>
-    <p:sldId id="259" r:id="rId5"/>
-    <p:sldId id="264" r:id="rId6"/>
-    <p:sldId id="261" r:id="rId7"/>
-    <p:sldId id="265" r:id="rId8"/>
-    <p:sldId id="267" r:id="rId9"/>
-    <p:sldId id="263" r:id="rId10"/>
+    <p:sldId id="268" r:id="rId3"/>
+    <p:sldId id="257" r:id="rId4"/>
+    <p:sldId id="258" r:id="rId5"/>
+    <p:sldId id="259" r:id="rId6"/>
+    <p:sldId id="264" r:id="rId7"/>
+    <p:sldId id="261" r:id="rId8"/>
+    <p:sldId id="265" r:id="rId9"/>
+    <p:sldId id="267" r:id="rId10"/>
+    <p:sldId id="263" r:id="rId11"/>
   </p:sldIdLst>
   <p:sldSz cx="12192000" cy="6858000"/>
   <p:notesSz cx="6858000" cy="9144000"/>
@@ -290,7 +291,7 @@
           <a:p>
             <a:fld id="{48A87A34-81AB-432B-8DAE-1953F412C126}" type="datetimeFigureOut">
               <a:rPr lang="en-US" dirty="0"/>
-              <a:t>11/10/2019</a:t>
+              <a:t>11/28/2019</a:t>
             </a:fld>
             <a:endParaRPr lang="en-US" dirty="0"/>
           </a:p>
@@ -552,7 +553,7 @@
           <a:p>
             <a:fld id="{48A87A34-81AB-432B-8DAE-1953F412C126}" type="datetimeFigureOut">
               <a:rPr lang="en-US" dirty="0"/>
-              <a:t>11/10/2019</a:t>
+              <a:t>11/28/2019</a:t>
             </a:fld>
             <a:endParaRPr lang="en-US" dirty="0"/>
           </a:p>
@@ -779,7 +780,7 @@
             <a:fld id="{48A87A34-81AB-432B-8DAE-1953F412C126}" type="datetimeFigureOut">
               <a:rPr lang="en-US" dirty="0"/>
               <a:pPr/>
-              <a:t>11/10/2019</a:t>
+              <a:t>11/28/2019</a:t>
             </a:fld>
             <a:endParaRPr lang="en-US" dirty="0"/>
           </a:p>
@@ -1085,7 +1086,7 @@
             <a:fld id="{48A87A34-81AB-432B-8DAE-1953F412C126}" type="datetimeFigureOut">
               <a:rPr lang="en-US" dirty="0"/>
               <a:pPr/>
-              <a:t>11/10/2019</a:t>
+              <a:t>11/28/2019</a:t>
             </a:fld>
             <a:endParaRPr lang="en-US" dirty="0"/>
           </a:p>
@@ -1554,7 +1555,7 @@
             <a:fld id="{48A87A34-81AB-432B-8DAE-1953F412C126}" type="datetimeFigureOut">
               <a:rPr lang="en-US" dirty="0"/>
               <a:pPr/>
-              <a:t>11/10/2019</a:t>
+              <a:t>11/28/2019</a:t>
             </a:fld>
             <a:endParaRPr lang="en-US" dirty="0"/>
           </a:p>
@@ -2096,7 +2097,7 @@
           <a:p>
             <a:fld id="{48A87A34-81AB-432B-8DAE-1953F412C126}" type="datetimeFigureOut">
               <a:rPr lang="en-US" dirty="0"/>
-              <a:t>11/10/2019</a:t>
+              <a:t>11/28/2019</a:t>
             </a:fld>
             <a:endParaRPr lang="en-US" dirty="0"/>
           </a:p>
@@ -2865,7 +2866,7 @@
           <a:p>
             <a:fld id="{48A87A34-81AB-432B-8DAE-1953F412C126}" type="datetimeFigureOut">
               <a:rPr lang="en-US" dirty="0"/>
-              <a:t>11/10/2019</a:t>
+              <a:t>11/28/2019</a:t>
             </a:fld>
             <a:endParaRPr lang="en-US" dirty="0"/>
           </a:p>
@@ -3035,7 +3036,7 @@
           <a:p>
             <a:fld id="{48A87A34-81AB-432B-8DAE-1953F412C126}" type="datetimeFigureOut">
               <a:rPr lang="en-US" dirty="0"/>
-              <a:t>11/10/2019</a:t>
+              <a:t>11/28/2019</a:t>
             </a:fld>
             <a:endParaRPr lang="en-US" dirty="0"/>
           </a:p>
@@ -3254,7 +3255,7 @@
             <a:fld id="{48A87A34-81AB-432B-8DAE-1953F412C126}" type="datetimeFigureOut">
               <a:rPr lang="en-US" dirty="0"/>
               <a:pPr/>
-              <a:t>11/10/2019</a:t>
+              <a:t>11/28/2019</a:t>
             </a:fld>
             <a:endParaRPr lang="en-US" dirty="0"/>
           </a:p>
@@ -3429,7 +3430,7 @@
           <a:p>
             <a:fld id="{48A87A34-81AB-432B-8DAE-1953F412C126}" type="datetimeFigureOut">
               <a:rPr lang="en-US" dirty="0"/>
-              <a:t>11/10/2019</a:t>
+              <a:t>11/28/2019</a:t>
             </a:fld>
             <a:endParaRPr lang="en-US" dirty="0"/>
           </a:p>
@@ -3714,7 +3715,7 @@
             <a:fld id="{48A87A34-81AB-432B-8DAE-1953F412C126}" type="datetimeFigureOut">
               <a:rPr lang="en-US" dirty="0"/>
               <a:pPr/>
-              <a:t>11/10/2019</a:t>
+              <a:t>11/28/2019</a:t>
             </a:fld>
             <a:endParaRPr lang="en-US" dirty="0"/>
           </a:p>
@@ -3951,7 +3952,7 @@
           <a:p>
             <a:fld id="{48A87A34-81AB-432B-8DAE-1953F412C126}" type="datetimeFigureOut">
               <a:rPr lang="en-US" dirty="0"/>
-              <a:t>11/10/2019</a:t>
+              <a:t>11/28/2019</a:t>
             </a:fld>
             <a:endParaRPr lang="en-US" dirty="0"/>
           </a:p>
@@ -4325,7 +4326,7 @@
           <a:p>
             <a:fld id="{48A87A34-81AB-432B-8DAE-1953F412C126}" type="datetimeFigureOut">
               <a:rPr lang="en-US" dirty="0"/>
-              <a:t>11/10/2019</a:t>
+              <a:t>11/28/2019</a:t>
             </a:fld>
             <a:endParaRPr lang="en-US" dirty="0"/>
           </a:p>
@@ -4438,7 +4439,7 @@
           <a:p>
             <a:fld id="{48A87A34-81AB-432B-8DAE-1953F412C126}" type="datetimeFigureOut">
               <a:rPr lang="en-US" dirty="0"/>
-              <a:t>11/10/2019</a:t>
+              <a:t>11/28/2019</a:t>
             </a:fld>
             <a:endParaRPr lang="en-US" dirty="0"/>
           </a:p>
@@ -4528,7 +4529,7 @@
           <a:p>
             <a:fld id="{48A87A34-81AB-432B-8DAE-1953F412C126}" type="datetimeFigureOut">
               <a:rPr lang="en-US" dirty="0"/>
-              <a:t>11/10/2019</a:t>
+              <a:t>11/28/2019</a:t>
             </a:fld>
             <a:endParaRPr lang="en-US" dirty="0"/>
           </a:p>
@@ -4772,7 +4773,7 @@
           <a:p>
             <a:fld id="{48A87A34-81AB-432B-8DAE-1953F412C126}" type="datetimeFigureOut">
               <a:rPr lang="en-US" dirty="0"/>
-              <a:t>11/10/2019</a:t>
+              <a:t>11/28/2019</a:t>
             </a:fld>
             <a:endParaRPr lang="en-US" dirty="0"/>
           </a:p>
@@ -5024,7 +5025,7 @@
           <a:p>
             <a:fld id="{48A87A34-81AB-432B-8DAE-1953F412C126}" type="datetimeFigureOut">
               <a:rPr lang="en-US" dirty="0"/>
-              <a:t>11/10/2019</a:t>
+              <a:t>11/28/2019</a:t>
             </a:fld>
             <a:endParaRPr lang="en-US" dirty="0"/>
           </a:p>
@@ -5263,7 +5264,7 @@
             <a:fld id="{48A87A34-81AB-432B-8DAE-1953F412C126}" type="datetimeFigureOut">
               <a:rPr lang="en-US" dirty="0"/>
               <a:pPr/>
-              <a:t>11/10/2019</a:t>
+              <a:t>11/28/2019</a:t>
             </a:fld>
             <a:endParaRPr lang="en-US" dirty="0"/>
           </a:p>
@@ -5717,7 +5718,12 @@
             <p:ph type="subTitle" idx="1"/>
           </p:nvPr>
         </p:nvSpPr>
-        <p:spPr/>
+        <p:spPr>
+          <a:xfrm>
+            <a:off x="1371600" y="3632200"/>
+            <a:ext cx="9448800" cy="1747667"/>
+          </a:xfrm>
+        </p:spPr>
         <p:txBody>
           <a:bodyPr>
             <a:normAutofit/>
@@ -5733,12 +5739,84 @@
             </a:r>
             <a:endParaRPr lang="en-US" dirty="0"/>
           </a:p>
+          <a:p>
+            <a:pPr algn="r"/>
+            <a:endParaRPr lang="en-US" dirty="0"/>
+          </a:p>
+          <a:p>
+            <a:pPr algn="r"/>
+            <a:r>
+              <a:rPr lang="en-US" dirty="0">
+                <a:hlinkClick r:id="rId3"/>
+              </a:rPr>
+              <a:t>https://dronebotworkshop.com/oled-arduino/</a:t>
+            </a:r>
+            <a:endParaRPr lang="en-US" dirty="0"/>
+          </a:p>
         </p:txBody>
       </p:sp>
     </p:spTree>
     <p:extLst>
       <p:ext uri="{BB962C8B-B14F-4D97-AF65-F5344CB8AC3E}">
         <p14:creationId xmlns:p14="http://schemas.microsoft.com/office/powerpoint/2010/main" val="771306637"/>
+      </p:ext>
+    </p:extLst>
+  </p:cSld>
+  <p:clrMapOvr>
+    <a:masterClrMapping/>
+  </p:clrMapOvr>
+</p:sld>
+</file>
+
+<file path=ppt/slides/slide10.xml><?xml version="1.0" encoding="utf-8"?>
+<p:sld xmlns:a="http://schemas.openxmlformats.org/drawingml/2006/main" xmlns:r="http://schemas.openxmlformats.org/officeDocument/2006/relationships" xmlns:p="http://schemas.openxmlformats.org/presentationml/2006/main">
+  <p:cSld>
+    <p:spTree>
+      <p:nvGrpSpPr>
+        <p:cNvPr id="1" name=""/>
+        <p:cNvGrpSpPr/>
+        <p:nvPr/>
+      </p:nvGrpSpPr>
+      <p:grpSpPr>
+        <a:xfrm>
+          <a:off x="0" y="0"/>
+          <a:ext cx="0" cy="0"/>
+          <a:chOff x="0" y="0"/>
+          <a:chExt cx="0" cy="0"/>
+        </a:xfrm>
+      </p:grpSpPr>
+      <p:sp>
+        <p:nvSpPr>
+          <p:cNvPr id="2" name="Title 1">
+            <a:extLst>
+              <a:ext uri="{FF2B5EF4-FFF2-40B4-BE49-F238E27FC236}">
+                <a16:creationId xmlns:a16="http://schemas.microsoft.com/office/drawing/2014/main" id="{96B42ADA-6770-402C-9F0B-A3C5159885CA}"/>
+              </a:ext>
+            </a:extLst>
+          </p:cNvPr>
+          <p:cNvSpPr>
+            <a:spLocks noGrp="1"/>
+          </p:cNvSpPr>
+          <p:nvPr>
+            <p:ph type="title"/>
+          </p:nvPr>
+        </p:nvSpPr>
+        <p:spPr/>
+        <p:txBody>
+          <a:bodyPr/>
+          <a:lstStyle/>
+          <a:p>
+            <a:r>
+              <a:rPr lang="en-US" dirty="0"/>
+              <a:t>Sketch file</a:t>
+            </a:r>
+          </a:p>
+        </p:txBody>
+      </p:sp>
+    </p:spTree>
+    <p:extLst>
+      <p:ext uri="{BB962C8B-B14F-4D97-AF65-F5344CB8AC3E}">
+        <p14:creationId xmlns:p14="http://schemas.microsoft.com/office/powerpoint/2010/main" val="2500575355"/>
       </p:ext>
     </p:extLst>
   </p:cSld>
@@ -5770,6 +5848,122 @@
           <p:cNvPr id="2" name="Title 1">
             <a:extLst>
               <a:ext uri="{FF2B5EF4-FFF2-40B4-BE49-F238E27FC236}">
+                <a16:creationId xmlns:a16="http://schemas.microsoft.com/office/drawing/2014/main" id="{CFD16641-D6F0-4812-9713-2C8536632DFB}"/>
+              </a:ext>
+            </a:extLst>
+          </p:cNvPr>
+          <p:cNvSpPr>
+            <a:spLocks noGrp="1"/>
+          </p:cNvSpPr>
+          <p:nvPr>
+            <p:ph type="title"/>
+          </p:nvPr>
+        </p:nvSpPr>
+        <p:spPr/>
+        <p:txBody>
+          <a:bodyPr/>
+          <a:lstStyle/>
+          <a:p>
+            <a:r>
+              <a:rPr lang="en-US" dirty="0"/>
+              <a:t>Reference links</a:t>
+            </a:r>
+          </a:p>
+        </p:txBody>
+      </p:sp>
+      <p:sp>
+        <p:nvSpPr>
+          <p:cNvPr id="3" name="Content Placeholder 2">
+            <a:extLst>
+              <a:ext uri="{FF2B5EF4-FFF2-40B4-BE49-F238E27FC236}">
+                <a16:creationId xmlns:a16="http://schemas.microsoft.com/office/drawing/2014/main" id="{9929C5B8-F666-49AE-9305-3FCEC444006B}"/>
+              </a:ext>
+            </a:extLst>
+          </p:cNvPr>
+          <p:cNvSpPr>
+            <a:spLocks noGrp="1"/>
+          </p:cNvSpPr>
+          <p:nvPr>
+            <p:ph idx="1"/>
+          </p:nvPr>
+        </p:nvSpPr>
+        <p:spPr/>
+        <p:txBody>
+          <a:bodyPr/>
+          <a:lstStyle/>
+          <a:p>
+            <a:r>
+              <a:rPr lang="en-US" dirty="0"/>
+              <a:t>ST7735S based LCD Display for Arduino - How to get it working</a:t>
+            </a:r>
+          </a:p>
+          <a:p>
+            <a:pPr marL="457200" lvl="1" indent="0">
+              <a:buNone/>
+            </a:pPr>
+            <a:r>
+              <a:rPr lang="en-US" dirty="0">
+                <a:hlinkClick r:id="rId2"/>
+              </a:rPr>
+              <a:t>https://www.youtube.com/watch?v=7iVrj4m3drw</a:t>
+            </a:r>
+            <a:endParaRPr lang="en-US" dirty="0"/>
+          </a:p>
+          <a:p>
+            <a:pPr marL="457200" lvl="1" indent="0">
+              <a:buNone/>
+            </a:pPr>
+            <a:endParaRPr lang="en-US" dirty="0"/>
+          </a:p>
+          <a:p>
+            <a:pPr marL="457200" lvl="1" indent="0">
+              <a:buNone/>
+            </a:pPr>
+            <a:endParaRPr lang="en-US"/>
+          </a:p>
+          <a:p>
+            <a:pPr marL="457200" lvl="1" indent="0">
+              <a:buNone/>
+            </a:pPr>
+            <a:endParaRPr lang="en-US" dirty="0"/>
+          </a:p>
+        </p:txBody>
+      </p:sp>
+    </p:spTree>
+    <p:extLst>
+      <p:ext uri="{BB962C8B-B14F-4D97-AF65-F5344CB8AC3E}">
+        <p14:creationId xmlns:p14="http://schemas.microsoft.com/office/powerpoint/2010/main" val="3823022061"/>
+      </p:ext>
+    </p:extLst>
+  </p:cSld>
+  <p:clrMapOvr>
+    <a:masterClrMapping/>
+  </p:clrMapOvr>
+</p:sld>
+</file>
+
+<file path=ppt/slides/slide3.xml><?xml version="1.0" encoding="utf-8"?>
+<p:sld xmlns:a="http://schemas.openxmlformats.org/drawingml/2006/main" xmlns:r="http://schemas.openxmlformats.org/officeDocument/2006/relationships" xmlns:p="http://schemas.openxmlformats.org/presentationml/2006/main">
+  <p:cSld>
+    <p:spTree>
+      <p:nvGrpSpPr>
+        <p:cNvPr id="1" name=""/>
+        <p:cNvGrpSpPr/>
+        <p:nvPr/>
+      </p:nvGrpSpPr>
+      <p:grpSpPr>
+        <a:xfrm>
+          <a:off x="0" y="0"/>
+          <a:ext cx="0" cy="0"/>
+          <a:chOff x="0" y="0"/>
+          <a:chExt cx="0" cy="0"/>
+        </a:xfrm>
+      </p:grpSpPr>
+      <p:sp>
+        <p:nvSpPr>
+          <p:cNvPr id="2" name="Title 1">
+            <a:extLst>
+              <a:ext uri="{FF2B5EF4-FFF2-40B4-BE49-F238E27FC236}">
                 <a16:creationId xmlns:a16="http://schemas.microsoft.com/office/drawing/2014/main" id="{85728EC7-C459-41F7-A94A-915437F09FF9}"/>
               </a:ext>
             </a:extLst>
@@ -5849,7 +6043,7 @@
 </p:sld>
 </file>
 
-<file path=ppt/slides/slide3.xml><?xml version="1.0" encoding="utf-8"?>
+<file path=ppt/slides/slide4.xml><?xml version="1.0" encoding="utf-8"?>
 <p:sld xmlns:a="http://schemas.openxmlformats.org/drawingml/2006/main" xmlns:r="http://schemas.openxmlformats.org/officeDocument/2006/relationships" xmlns:p="http://schemas.openxmlformats.org/presentationml/2006/main">
   <p:cSld>
     <p:spTree>
@@ -6191,7 +6385,7 @@
         <p:spPr>
           <a:xfrm>
             <a:off x="685800" y="5521515"/>
-            <a:ext cx="10917315" cy="923330"/>
+            <a:ext cx="10917315" cy="1200329"/>
           </a:xfrm>
           <a:prstGeom prst="rect">
             <a:avLst/>
@@ -6250,6 +6444,30 @@
                 <a:latin typeface="inherit"/>
               </a:rPr>
               <a:t> – The library for the SSD1306 monochrome OLED display. It was originally designed for an Adafruit-specific display but has been enhanced to work with any display based upon the SSD1306 driver chip.</a:t>
+            </a:r>
+          </a:p>
+          <a:p>
+            <a:pPr fontAlgn="base">
+              <a:buFont typeface="Arial" panose="020B0604020202020204" pitchFamily="34" charset="0"/>
+              <a:buChar char="•"/>
+            </a:pPr>
+            <a:r>
+              <a:rPr lang="en-US" b="1" dirty="0">
+                <a:solidFill>
+                  <a:srgbClr val="1E73BE"/>
+                </a:solidFill>
+                <a:latin typeface="inherit"/>
+              </a:rPr>
+              <a:t>Adafruit ST7735 </a:t>
+            </a:r>
+            <a:r>
+              <a:rPr lang="en-US" dirty="0">
+                <a:solidFill>
+                  <a:srgbClr val="666666"/>
+                </a:solidFill>
+                <a:latin typeface="inherit"/>
+              </a:rPr>
+              <a:t>– This is a library for ST7735 &amp; ST7739 SPI Displays</a:t>
             </a:r>
             <a:endParaRPr lang="en-US" b="0" i="0" dirty="0">
               <a:solidFill>
@@ -6321,68 +6539,40 @@
           </a:prstGeom>
         </p:spPr>
       </p:pic>
+      <p:pic>
+        <p:nvPicPr>
+          <p:cNvPr id="9" name="Picture 8">
+            <a:extLst>
+              <a:ext uri="{FF2B5EF4-FFF2-40B4-BE49-F238E27FC236}">
+                <a16:creationId xmlns:a16="http://schemas.microsoft.com/office/drawing/2014/main" id="{3165B1F0-7BE8-4F8B-8D6E-A1BE3512859F}"/>
+              </a:ext>
+            </a:extLst>
+          </p:cNvPr>
+          <p:cNvPicPr>
+            <a:picLocks noChangeAspect="1"/>
+          </p:cNvPicPr>
+          <p:nvPr/>
+        </p:nvPicPr>
+        <p:blipFill>
+          <a:blip r:embed="rId6"/>
+          <a:stretch>
+            <a:fillRect/>
+          </a:stretch>
+        </p:blipFill>
+        <p:spPr>
+          <a:xfrm>
+            <a:off x="2628900" y="1598181"/>
+            <a:ext cx="8858250" cy="847725"/>
+          </a:xfrm>
+          <a:prstGeom prst="rect">
+            <a:avLst/>
+          </a:prstGeom>
+        </p:spPr>
+      </p:pic>
     </p:spTree>
     <p:extLst>
       <p:ext uri="{BB962C8B-B14F-4D97-AF65-F5344CB8AC3E}">
         <p14:creationId xmlns:p14="http://schemas.microsoft.com/office/powerpoint/2010/main" val="2289463937"/>
-      </p:ext>
-    </p:extLst>
-  </p:cSld>
-  <p:clrMapOvr>
-    <a:masterClrMapping/>
-  </p:clrMapOvr>
-</p:sld>
-</file>
-
-<file path=ppt/slides/slide4.xml><?xml version="1.0" encoding="utf-8"?>
-<p:sld xmlns:a="http://schemas.openxmlformats.org/drawingml/2006/main" xmlns:r="http://schemas.openxmlformats.org/officeDocument/2006/relationships" xmlns:p="http://schemas.openxmlformats.org/presentationml/2006/main">
-  <p:cSld>
-    <p:spTree>
-      <p:nvGrpSpPr>
-        <p:cNvPr id="1" name=""/>
-        <p:cNvGrpSpPr/>
-        <p:nvPr/>
-      </p:nvGrpSpPr>
-      <p:grpSpPr>
-        <a:xfrm>
-          <a:off x="0" y="0"/>
-          <a:ext cx="0" cy="0"/>
-          <a:chOff x="0" y="0"/>
-          <a:chExt cx="0" cy="0"/>
-        </a:xfrm>
-      </p:grpSpPr>
-      <p:sp>
-        <p:nvSpPr>
-          <p:cNvPr id="2" name="Title 1">
-            <a:extLst>
-              <a:ext uri="{FF2B5EF4-FFF2-40B4-BE49-F238E27FC236}">
-                <a16:creationId xmlns:a16="http://schemas.microsoft.com/office/drawing/2014/main" id="{F1776AEA-DA03-417F-8258-814B2F06E6BB}"/>
-              </a:ext>
-            </a:extLst>
-          </p:cNvPr>
-          <p:cNvSpPr>
-            <a:spLocks noGrp="1"/>
-          </p:cNvSpPr>
-          <p:nvPr>
-            <p:ph type="title"/>
-          </p:nvPr>
-        </p:nvSpPr>
-        <p:spPr/>
-        <p:txBody>
-          <a:bodyPr/>
-          <a:lstStyle/>
-          <a:p>
-            <a:r>
-              <a:rPr lang="en-US" dirty="0"/>
-              <a:t>PINOUT</a:t>
-            </a:r>
-          </a:p>
-        </p:txBody>
-      </p:sp>
-    </p:spTree>
-    <p:extLst>
-      <p:ext uri="{BB962C8B-B14F-4D97-AF65-F5344CB8AC3E}">
-        <p14:creationId xmlns:p14="http://schemas.microsoft.com/office/powerpoint/2010/main" val="3256895211"/>
       </p:ext>
     </p:extLst>
   </p:cSld>
@@ -6432,7 +6622,7 @@
           <a:p>
             <a:r>
               <a:rPr lang="en-US" dirty="0"/>
-              <a:t>Circuit</a:t>
+              <a:t>PINOUT</a:t>
             </a:r>
           </a:p>
         </p:txBody>
@@ -6440,7 +6630,7 @@
     </p:spTree>
     <p:extLst>
       <p:ext uri="{BB962C8B-B14F-4D97-AF65-F5344CB8AC3E}">
-        <p14:creationId xmlns:p14="http://schemas.microsoft.com/office/powerpoint/2010/main" val="993478480"/>
+        <p14:creationId xmlns:p14="http://schemas.microsoft.com/office/powerpoint/2010/main" val="3256895211"/>
       </p:ext>
     </p:extLst>
   </p:cSld>
@@ -6472,7 +6662,7 @@
           <p:cNvPr id="2" name="Title 1">
             <a:extLst>
               <a:ext uri="{FF2B5EF4-FFF2-40B4-BE49-F238E27FC236}">
-                <a16:creationId xmlns:a16="http://schemas.microsoft.com/office/drawing/2014/main" id="{A459E8BF-0FF2-4C76-8952-3960E75A89F1}"/>
+                <a16:creationId xmlns:a16="http://schemas.microsoft.com/office/drawing/2014/main" id="{F1776AEA-DA03-417F-8258-814B2F06E6BB}"/>
               </a:ext>
             </a:extLst>
           </p:cNvPr>
@@ -6490,7 +6680,7 @@
           <a:p>
             <a:r>
               <a:rPr lang="en-US" dirty="0"/>
-              <a:t>Code – Example1</a:t>
+              <a:t>Circuit</a:t>
             </a:r>
           </a:p>
         </p:txBody>
@@ -6498,7 +6688,7 @@
     </p:spTree>
     <p:extLst>
       <p:ext uri="{BB962C8B-B14F-4D97-AF65-F5344CB8AC3E}">
-        <p14:creationId xmlns:p14="http://schemas.microsoft.com/office/powerpoint/2010/main" val="3500295217"/>
+        <p14:creationId xmlns:p14="http://schemas.microsoft.com/office/powerpoint/2010/main" val="993478480"/>
       </p:ext>
     </p:extLst>
   </p:cSld>
@@ -6548,20 +6738,15 @@
           <a:p>
             <a:r>
               <a:rPr lang="en-US" dirty="0"/>
-              <a:t>Code – </a:t>
-            </a:r>
-            <a:r>
-              <a:rPr lang="en-US" dirty="0" err="1"/>
-              <a:t>Explaination</a:t>
-            </a:r>
-            <a:endParaRPr lang="en-US" dirty="0"/>
+              <a:t>Code – Example1</a:t>
+            </a:r>
           </a:p>
         </p:txBody>
       </p:sp>
     </p:spTree>
     <p:extLst>
       <p:ext uri="{BB962C8B-B14F-4D97-AF65-F5344CB8AC3E}">
-        <p14:creationId xmlns:p14="http://schemas.microsoft.com/office/powerpoint/2010/main" val="2986336976"/>
+        <p14:creationId xmlns:p14="http://schemas.microsoft.com/office/powerpoint/2010/main" val="3500295217"/>
       </p:ext>
     </p:extLst>
   </p:cSld>
@@ -6611,15 +6796,20 @@
           <a:p>
             <a:r>
               <a:rPr lang="en-US" dirty="0"/>
-              <a:t>Code – Explanation</a:t>
-            </a:r>
+              <a:t>Code – </a:t>
+            </a:r>
+            <a:r>
+              <a:rPr lang="en-US" dirty="0" err="1"/>
+              <a:t>Explaination</a:t>
+            </a:r>
+            <a:endParaRPr lang="en-US" dirty="0"/>
           </a:p>
         </p:txBody>
       </p:sp>
     </p:spTree>
     <p:extLst>
       <p:ext uri="{BB962C8B-B14F-4D97-AF65-F5344CB8AC3E}">
-        <p14:creationId xmlns:p14="http://schemas.microsoft.com/office/powerpoint/2010/main" val="2105540050"/>
+        <p14:creationId xmlns:p14="http://schemas.microsoft.com/office/powerpoint/2010/main" val="2986336976"/>
       </p:ext>
     </p:extLst>
   </p:cSld>
@@ -6651,7 +6841,7 @@
           <p:cNvPr id="2" name="Title 1">
             <a:extLst>
               <a:ext uri="{FF2B5EF4-FFF2-40B4-BE49-F238E27FC236}">
-                <a16:creationId xmlns:a16="http://schemas.microsoft.com/office/drawing/2014/main" id="{96B42ADA-6770-402C-9F0B-A3C5159885CA}"/>
+                <a16:creationId xmlns:a16="http://schemas.microsoft.com/office/drawing/2014/main" id="{A459E8BF-0FF2-4C76-8952-3960E75A89F1}"/>
               </a:ext>
             </a:extLst>
           </p:cNvPr>
@@ -6669,7 +6859,7 @@
           <a:p>
             <a:r>
               <a:rPr lang="en-US" dirty="0"/>
-              <a:t>Sketch file</a:t>
+              <a:t>Code – Explanation</a:t>
             </a:r>
           </a:p>
         </p:txBody>
@@ -6677,7 +6867,7 @@
     </p:spTree>
     <p:extLst>
       <p:ext uri="{BB962C8B-B14F-4D97-AF65-F5344CB8AC3E}">
-        <p14:creationId xmlns:p14="http://schemas.microsoft.com/office/powerpoint/2010/main" val="2500575355"/>
+        <p14:creationId xmlns:p14="http://schemas.microsoft.com/office/powerpoint/2010/main" val="2105540050"/>
       </p:ext>
     </p:extLst>
   </p:cSld>
